--- a/features/steps/test_files/shp-shape-access.pptx
+++ b/features/steps/test_files/shp-shape-access.pptx
@@ -3788,6 +3788,135 @@
           </a:p>
         </p:txBody>
       </p:sp>
+      <p:grpSp>
+        <p:nvGrpSpPr>
+          <p:cNvPr id="5" name="Group 4"/>
+          <p:cNvGrpSpPr/>
+          <p:nvPr/>
+        </p:nvGrpSpPr>
+        <p:grpSpPr>
+          <a:xfrm>
+            <a:off x="1403648" y="3501008"/>
+            <a:ext cx="1105272" cy="1177280"/>
+            <a:chOff x="1403648" y="3501008"/>
+            <a:chExt cx="1105272" cy="1177280"/>
+          </a:xfrm>
+        </p:grpSpPr>
+        <p:sp>
+          <p:nvSpPr>
+            <p:cNvPr id="2" name="Rectangle 1"/>
+            <p:cNvSpPr/>
+            <p:nvPr/>
+          </p:nvSpPr>
+          <p:spPr>
+            <a:xfrm>
+              <a:off x="1403648" y="3501008"/>
+              <a:ext cx="457200" cy="457200"/>
+            </a:xfrm>
+            <a:prstGeom prst="rect">
+              <a:avLst/>
+            </a:prstGeom>
+          </p:spPr>
+          <p:style>
+            <a:lnRef idx="1">
+              <a:schemeClr val="accent1"/>
+            </a:lnRef>
+            <a:fillRef idx="3">
+              <a:schemeClr val="accent1"/>
+            </a:fillRef>
+            <a:effectRef idx="2">
+              <a:schemeClr val="accent1"/>
+            </a:effectRef>
+            <a:fontRef idx="minor">
+              <a:schemeClr val="lt1"/>
+            </a:fontRef>
+          </p:style>
+          <p:txBody>
+            <a:bodyPr rtlCol="0" anchor="ctr"/>
+            <a:lstStyle/>
+            <a:p>
+              <a:pPr algn="ctr"/>
+              <a:endParaRPr lang="en-US"/>
+            </a:p>
+          </p:txBody>
+        </p:sp>
+        <p:sp>
+          <p:nvSpPr>
+            <p:cNvPr id="3" name="Oval 2"/>
+            <p:cNvSpPr/>
+            <p:nvPr/>
+          </p:nvSpPr>
+          <p:spPr>
+            <a:xfrm>
+              <a:off x="2051720" y="3789040"/>
+              <a:ext cx="457200" cy="457200"/>
+            </a:xfrm>
+            <a:prstGeom prst="ellipse">
+              <a:avLst/>
+            </a:prstGeom>
+          </p:spPr>
+          <p:style>
+            <a:lnRef idx="1">
+              <a:schemeClr val="accent1"/>
+            </a:lnRef>
+            <a:fillRef idx="3">
+              <a:schemeClr val="accent1"/>
+            </a:fillRef>
+            <a:effectRef idx="2">
+              <a:schemeClr val="accent1"/>
+            </a:effectRef>
+            <a:fontRef idx="minor">
+              <a:schemeClr val="lt1"/>
+            </a:fontRef>
+          </p:style>
+          <p:txBody>
+            <a:bodyPr rtlCol="0" anchor="ctr"/>
+            <a:lstStyle/>
+            <a:p>
+              <a:pPr algn="ctr"/>
+              <a:endParaRPr lang="en-US"/>
+            </a:p>
+          </p:txBody>
+        </p:sp>
+        <p:sp>
+          <p:nvSpPr>
+            <p:cNvPr id="4" name="Isosceles Triangle 3"/>
+            <p:cNvSpPr/>
+            <p:nvPr/>
+          </p:nvSpPr>
+          <p:spPr>
+            <a:xfrm>
+              <a:off x="1594520" y="4221088"/>
+              <a:ext cx="457200" cy="457200"/>
+            </a:xfrm>
+            <a:prstGeom prst="triangle">
+              <a:avLst/>
+            </a:prstGeom>
+          </p:spPr>
+          <p:style>
+            <a:lnRef idx="1">
+              <a:schemeClr val="accent1"/>
+            </a:lnRef>
+            <a:fillRef idx="3">
+              <a:schemeClr val="accent1"/>
+            </a:fillRef>
+            <a:effectRef idx="2">
+              <a:schemeClr val="accent1"/>
+            </a:effectRef>
+            <a:fontRef idx="minor">
+              <a:schemeClr val="lt1"/>
+            </a:fontRef>
+          </p:style>
+          <p:txBody>
+            <a:bodyPr rtlCol="0" anchor="ctr"/>
+            <a:lstStyle/>
+            <a:p>
+              <a:pPr algn="ctr"/>
+              <a:endParaRPr lang="en-US"/>
+            </a:p>
+          </p:txBody>
+        </p:sp>
+      </p:grpSp>
     </p:spTree>
     <p:extLst>
       <p:ext uri="{BB962C8B-B14F-4D97-AF65-F5344CB8AC3E}">
